--- a/R_Training_Module_1_2.pptx
+++ b/R_Training_Module_1_2.pptx
@@ -70,7 +70,7 @@
         <p:spPr>
           <a:xfrm>
             <a:off x="457200" y="274680"/>
-            <a:ext cx="8227800" cy="1141200"/>
+            <a:ext cx="8227440" cy="1140840"/>
           </a:xfrm>
           <a:prstGeom prst="rect">
             <a:avLst/>
@@ -110,7 +110,7 @@
         <p:spPr>
           <a:xfrm>
             <a:off x="457200" y="1600200"/>
-            <a:ext cx="8227800" cy="4524120"/>
+            <a:ext cx="8227440" cy="4523760"/>
           </a:xfrm>
           <a:prstGeom prst="rect">
             <a:avLst/>
@@ -171,7 +171,7 @@
         <p:txBody>
           <a:bodyPr/>
           <a:p>
-            <a:fld id="{DFB3D182-FB6B-4682-9AE9-0897C7574E3F}" type="slidenum">
+            <a:fld id="{D122C758-197C-4B7F-AAE2-06E008DB4634}" type="slidenum">
               <a:t>&lt;#&gt;</a:t>
             </a:fld>
           </a:p>
@@ -254,7 +254,7 @@
         <p:txBody>
           <a:bodyPr/>
           <a:p>
-            <a:fld id="{7C7C00DA-47AA-44EA-9685-FA970B8C66F5}" type="slidenum">
+            <a:fld id="{B3D7094A-E083-4139-AE71-31A818FC5AA6}" type="slidenum">
               <a:t>&lt;#&gt;</a:t>
             </a:fld>
           </a:p>
@@ -337,7 +337,7 @@
         <p:txBody>
           <a:bodyPr/>
           <a:p>
-            <a:fld id="{28403A08-E951-4BBB-B1AB-AFAF53B3DFA8}" type="slidenum">
+            <a:fld id="{50CDD103-8690-45C0-98A6-CB950B90F96A}" type="slidenum">
               <a:t>&lt;#&gt;</a:t>
             </a:fld>
           </a:p>
@@ -420,7 +420,7 @@
         <p:txBody>
           <a:bodyPr/>
           <a:p>
-            <a:fld id="{C5A0DA19-B3A4-4FC2-A09C-7C23E1EEF20F}" type="slidenum">
+            <a:fld id="{202B8341-4C37-4AB0-A761-F4C6210515FD}" type="slidenum">
               <a:t>&lt;#&gt;</a:t>
             </a:fld>
           </a:p>
@@ -503,7 +503,7 @@
         <p:txBody>
           <a:bodyPr/>
           <a:p>
-            <a:fld id="{D5416A03-564B-408D-9627-B1BC4A08D632}" type="slidenum">
+            <a:fld id="{CAEC1991-D60F-436C-BDA7-9DB2D82B6D96}" type="slidenum">
               <a:t>&lt;#&gt;</a:t>
             </a:fld>
           </a:p>
@@ -565,7 +565,7 @@
         <p:spPr>
           <a:xfrm>
             <a:off x="457200" y="274680"/>
-            <a:ext cx="8227800" cy="1141200"/>
+            <a:ext cx="8227440" cy="1140840"/>
           </a:xfrm>
           <a:prstGeom prst="rect">
             <a:avLst/>
@@ -605,7 +605,7 @@
         <p:spPr>
           <a:xfrm>
             <a:off x="457200" y="1600200"/>
-            <a:ext cx="8227800" cy="4524120"/>
+            <a:ext cx="8227440" cy="4523760"/>
           </a:xfrm>
           <a:prstGeom prst="rect">
             <a:avLst/>
@@ -669,7 +669,7 @@
         <p:txBody>
           <a:bodyPr/>
           <a:p>
-            <a:fld id="{78CD7B05-177A-488B-AAF4-CEB30DF3BE74}" type="slidenum">
+            <a:fld id="{8F4A83B8-48AE-4EA4-9AF3-6244B5FDD5D6}" type="slidenum">
               <a:t>&lt;#&gt;</a:t>
             </a:fld>
           </a:p>
@@ -752,7 +752,7 @@
         <p:txBody>
           <a:bodyPr/>
           <a:p>
-            <a:fld id="{ED86DD58-40E0-42AE-9DF8-50BDC878C6A4}" type="slidenum">
+            <a:fld id="{F19AE6AE-3B08-498A-AAF4-4588F3884A90}" type="slidenum">
               <a:t>&lt;#&gt;</a:t>
             </a:fld>
           </a:p>
@@ -814,7 +814,7 @@
         <p:spPr>
           <a:xfrm>
             <a:off x="457200" y="274680"/>
-            <a:ext cx="8227800" cy="1141200"/>
+            <a:ext cx="8227440" cy="1140840"/>
           </a:xfrm>
           <a:prstGeom prst="rect">
             <a:avLst/>
@@ -854,7 +854,7 @@
         <p:spPr>
           <a:xfrm>
             <a:off x="457200" y="1600200"/>
-            <a:ext cx="4015080" cy="4524120"/>
+            <a:ext cx="4014720" cy="4523760"/>
           </a:xfrm>
           <a:prstGeom prst="rect">
             <a:avLst/>
@@ -896,8 +896,8 @@
         </p:nvSpPr>
         <p:spPr>
           <a:xfrm>
-            <a:off x="4673520" y="1600200"/>
-            <a:ext cx="4015080" cy="4524120"/>
+            <a:off x="4673160" y="1600200"/>
+            <a:ext cx="4014720" cy="4523760"/>
           </a:xfrm>
           <a:prstGeom prst="rect">
             <a:avLst/>
@@ -961,7 +961,7 @@
         <p:txBody>
           <a:bodyPr/>
           <a:p>
-            <a:fld id="{D73358A5-2DAE-40E7-9CCD-221E9A0B11F4}" type="slidenum">
+            <a:fld id="{1896780D-6CDE-4DDF-A561-FCC43860DAFF}" type="slidenum">
               <a:t>&lt;#&gt;</a:t>
             </a:fld>
           </a:p>
@@ -1044,7 +1044,7 @@
         <p:txBody>
           <a:bodyPr/>
           <a:p>
-            <a:fld id="{5A5C601D-ACEB-4FD1-A768-D8F3A850DAFD}" type="slidenum">
+            <a:fld id="{4250F990-279A-4D2B-91FF-F120F329C259}" type="slidenum">
               <a:t>&lt;#&gt;</a:t>
             </a:fld>
           </a:p>
@@ -1106,7 +1106,7 @@
         <p:spPr>
           <a:xfrm>
             <a:off x="457200" y="274680"/>
-            <a:ext cx="8227800" cy="1141200"/>
+            <a:ext cx="8227440" cy="1140840"/>
           </a:xfrm>
           <a:prstGeom prst="rect">
             <a:avLst/>
@@ -1167,7 +1167,7 @@
         <p:txBody>
           <a:bodyPr/>
           <a:p>
-            <a:fld id="{336ECB13-AF7C-4CFC-A564-061533EF3A7E}" type="slidenum">
+            <a:fld id="{10D809C2-FBE9-47F5-8142-F005ABA01168}" type="slidenum">
               <a:t>&lt;#&gt;</a:t>
             </a:fld>
           </a:p>
@@ -1250,7 +1250,7 @@
         <p:txBody>
           <a:bodyPr/>
           <a:p>
-            <a:fld id="{A26D7752-4F49-436A-88AB-9C1BF500CB92}" type="slidenum">
+            <a:fld id="{2C90040A-450D-40A1-B9C5-9D848AB924BE}" type="slidenum">
               <a:t>&lt;#&gt;</a:t>
             </a:fld>
           </a:p>
@@ -1319,7 +1319,7 @@
         <p:spPr>
           <a:xfrm>
             <a:off x="457200" y="274680"/>
-            <a:ext cx="8227800" cy="1141200"/>
+            <a:ext cx="8227440" cy="1140840"/>
           </a:xfrm>
           <a:prstGeom prst="rect">
             <a:avLst/>
@@ -1368,7 +1368,7 @@
         <p:spPr>
           <a:xfrm>
             <a:off x="3124080" y="6356520"/>
-            <a:ext cx="2893680" cy="363240"/>
+            <a:ext cx="2893320" cy="362880"/>
           </a:xfrm>
           <a:prstGeom prst="rect">
             <a:avLst/>
@@ -1416,7 +1416,7 @@
                 </a:solidFill>
                 <a:latin typeface="Times New Roman"/>
               </a:rPr>
-              <a:t>&lt;footer&gt;</a:t>
+              <a:t> </a:t>
             </a:r>
             <a:endParaRPr b="0" lang="en-US" sz="1400" spc="-1" strike="noStrike">
               <a:solidFill>
@@ -1440,7 +1440,7 @@
         <p:spPr>
           <a:xfrm>
             <a:off x="6553080" y="6356520"/>
-            <a:ext cx="2131920" cy="363240"/>
+            <a:ext cx="2131560" cy="362880"/>
           </a:xfrm>
           <a:prstGeom prst="rect">
             <a:avLst/>
@@ -1483,7 +1483,7 @@
                 <a:tab algn="l" pos="0"/>
               </a:tabLst>
             </a:pPr>
-            <a:fld id="{224033A5-B8F1-4861-83F5-EECF94E7D87F}" type="slidenum">
+            <a:fld id="{35919E9A-891D-4C7D-8FF3-7037B29FF6C6}" type="slidenum">
               <a:rPr b="0" lang="en-US" sz="1200" spc="-1" strike="noStrike">
                 <a:solidFill>
                   <a:schemeClr val="dk1">
@@ -1492,7 +1492,7 @@
                 </a:solidFill>
                 <a:latin typeface="Calibri"/>
               </a:rPr>
-              <a:t>&lt;number&gt;</a:t>
+              <a:t>19</a:t>
             </a:fld>
             <a:endParaRPr b="0" lang="en-US" sz="1200" spc="-1" strike="noStrike">
               <a:solidFill>
@@ -1516,7 +1516,7 @@
         <p:spPr>
           <a:xfrm>
             <a:off x="457200" y="6356520"/>
-            <a:ext cx="2131920" cy="363240"/>
+            <a:ext cx="2131560" cy="362880"/>
           </a:xfrm>
           <a:prstGeom prst="rect">
             <a:avLst/>
@@ -1552,7 +1552,7 @@
                 </a:solidFill>
                 <a:latin typeface="Times New Roman"/>
               </a:rPr>
-              <a:t>&lt;date/time&gt;</a:t>
+              <a:t> </a:t>
             </a:r>
             <a:endParaRPr b="0" lang="en-US" sz="1400" spc="-1" strike="noStrike">
               <a:solidFill>
@@ -1834,7 +1834,7 @@
         <p:spPr>
           <a:xfrm>
             <a:off x="3124080" y="6356520"/>
-            <a:ext cx="2893680" cy="363240"/>
+            <a:ext cx="2893320" cy="362880"/>
           </a:xfrm>
           <a:prstGeom prst="rect">
             <a:avLst/>
@@ -1906,7 +1906,7 @@
         <p:spPr>
           <a:xfrm>
             <a:off x="6553080" y="6356520"/>
-            <a:ext cx="2131920" cy="363240"/>
+            <a:ext cx="2131560" cy="362880"/>
           </a:xfrm>
           <a:prstGeom prst="rect">
             <a:avLst/>
@@ -1949,7 +1949,7 @@
                 <a:tab algn="l" pos="0"/>
               </a:tabLst>
             </a:pPr>
-            <a:fld id="{A5C9E557-F67A-4FB6-B017-A39DA91E82D5}" type="slidenum">
+            <a:fld id="{A4C0EF3F-A9DD-4BEE-BC59-063247C5D933}" type="slidenum">
               <a:rPr b="0" lang="en-US" sz="1200" spc="-1" strike="noStrike">
                 <a:solidFill>
                   <a:schemeClr val="dk1">
@@ -1982,7 +1982,7 @@
         <p:spPr>
           <a:xfrm>
             <a:off x="457200" y="6356520"/>
-            <a:ext cx="2131920" cy="363240"/>
+            <a:ext cx="2131560" cy="362880"/>
           </a:xfrm>
           <a:prstGeom prst="rect">
             <a:avLst/>
@@ -2075,7 +2075,7 @@
         <p:spPr>
           <a:xfrm>
             <a:off x="3124080" y="6356520"/>
-            <a:ext cx="2893680" cy="363240"/>
+            <a:ext cx="2893320" cy="362880"/>
           </a:xfrm>
           <a:prstGeom prst="rect">
             <a:avLst/>
@@ -2147,7 +2147,7 @@
         <p:spPr>
           <a:xfrm>
             <a:off x="6553080" y="6356520"/>
-            <a:ext cx="2131920" cy="363240"/>
+            <a:ext cx="2131560" cy="362880"/>
           </a:xfrm>
           <a:prstGeom prst="rect">
             <a:avLst/>
@@ -2190,7 +2190,7 @@
                 <a:tab algn="l" pos="0"/>
               </a:tabLst>
             </a:pPr>
-            <a:fld id="{3A15E482-6A66-4D64-9AD5-84DF3690E915}" type="slidenum">
+            <a:fld id="{CC753400-76B0-4D25-80D3-C9C809D4D8F2}" type="slidenum">
               <a:rPr b="0" lang="en-US" sz="1200" spc="-1" strike="noStrike">
                 <a:solidFill>
                   <a:schemeClr val="dk1">
@@ -2223,7 +2223,7 @@
         <p:spPr>
           <a:xfrm>
             <a:off x="457200" y="6356520"/>
-            <a:ext cx="2131920" cy="363240"/>
+            <a:ext cx="2131560" cy="362880"/>
           </a:xfrm>
           <a:prstGeom prst="rect">
             <a:avLst/>
@@ -2316,7 +2316,7 @@
         <p:spPr>
           <a:xfrm>
             <a:off x="3124080" y="6356520"/>
-            <a:ext cx="2893680" cy="363240"/>
+            <a:ext cx="2893320" cy="362880"/>
           </a:xfrm>
           <a:prstGeom prst="rect">
             <a:avLst/>
@@ -2388,7 +2388,7 @@
         <p:spPr>
           <a:xfrm>
             <a:off x="6553080" y="6356520"/>
-            <a:ext cx="2131920" cy="363240"/>
+            <a:ext cx="2131560" cy="362880"/>
           </a:xfrm>
           <a:prstGeom prst="rect">
             <a:avLst/>
@@ -2431,7 +2431,7 @@
                 <a:tab algn="l" pos="0"/>
               </a:tabLst>
             </a:pPr>
-            <a:fld id="{BC33A3A8-6CCA-402A-8AEC-516A68AECFD5}" type="slidenum">
+            <a:fld id="{F985F804-C46C-40EA-8151-963A3F5E6C28}" type="slidenum">
               <a:rPr b="0" lang="en-US" sz="1200" spc="-1" strike="noStrike">
                 <a:solidFill>
                   <a:schemeClr val="dk1">
@@ -2464,7 +2464,7 @@
         <p:spPr>
           <a:xfrm>
             <a:off x="457200" y="6356520"/>
-            <a:ext cx="2131920" cy="363240"/>
+            <a:ext cx="2131560" cy="362880"/>
           </a:xfrm>
           <a:prstGeom prst="rect">
             <a:avLst/>
@@ -2557,7 +2557,7 @@
         <p:spPr>
           <a:xfrm>
             <a:off x="3124080" y="6356520"/>
-            <a:ext cx="2893680" cy="363240"/>
+            <a:ext cx="2893320" cy="362880"/>
           </a:xfrm>
           <a:prstGeom prst="rect">
             <a:avLst/>
@@ -2629,7 +2629,7 @@
         <p:spPr>
           <a:xfrm>
             <a:off x="6553080" y="6356520"/>
-            <a:ext cx="2131920" cy="363240"/>
+            <a:ext cx="2131560" cy="362880"/>
           </a:xfrm>
           <a:prstGeom prst="rect">
             <a:avLst/>
@@ -2672,7 +2672,7 @@
                 <a:tab algn="l" pos="0"/>
               </a:tabLst>
             </a:pPr>
-            <a:fld id="{BB6BEA98-5893-4487-84B9-F6C458DC4B6D}" type="slidenum">
+            <a:fld id="{3DB05ED2-59AD-4B44-8C44-BC8F3E9B1DE3}" type="slidenum">
               <a:rPr b="0" lang="en-US" sz="1200" spc="-1" strike="noStrike">
                 <a:solidFill>
                   <a:schemeClr val="dk1">
@@ -2705,7 +2705,7 @@
         <p:spPr>
           <a:xfrm>
             <a:off x="457200" y="6356520"/>
-            <a:ext cx="2131920" cy="363240"/>
+            <a:ext cx="2131560" cy="362880"/>
           </a:xfrm>
           <a:prstGeom prst="rect">
             <a:avLst/>
@@ -2798,7 +2798,7 @@
         <p:spPr>
           <a:xfrm>
             <a:off x="457200" y="274680"/>
-            <a:ext cx="8227800" cy="1141200"/>
+            <a:ext cx="8227440" cy="1140840"/>
           </a:xfrm>
           <a:prstGeom prst="rect">
             <a:avLst/>
@@ -2847,7 +2847,7 @@
         <p:spPr>
           <a:xfrm>
             <a:off x="457200" y="1600200"/>
-            <a:ext cx="8227800" cy="4524120"/>
+            <a:ext cx="8227440" cy="4523760"/>
           </a:xfrm>
           <a:prstGeom prst="rect">
             <a:avLst/>
@@ -3072,7 +3072,7 @@
         <p:spPr>
           <a:xfrm>
             <a:off x="3124080" y="6356520"/>
-            <a:ext cx="2893680" cy="363240"/>
+            <a:ext cx="2893320" cy="362880"/>
           </a:xfrm>
           <a:prstGeom prst="rect">
             <a:avLst/>
@@ -3144,7 +3144,7 @@
         <p:spPr>
           <a:xfrm>
             <a:off x="6553080" y="6356520"/>
-            <a:ext cx="2131920" cy="363240"/>
+            <a:ext cx="2131560" cy="362880"/>
           </a:xfrm>
           <a:prstGeom prst="rect">
             <a:avLst/>
@@ -3187,7 +3187,7 @@
                 <a:tab algn="l" pos="0"/>
               </a:tabLst>
             </a:pPr>
-            <a:fld id="{54FD235A-3D9D-4798-83FD-D9F11227BC38}" type="slidenum">
+            <a:fld id="{F03F982E-D5B0-499E-BC3C-9B82F702D9F6}" type="slidenum">
               <a:rPr b="0" lang="en-US" sz="1200" spc="-1" strike="noStrike">
                 <a:solidFill>
                   <a:schemeClr val="dk1">
@@ -3220,7 +3220,7 @@
         <p:spPr>
           <a:xfrm>
             <a:off x="457200" y="6356520"/>
-            <a:ext cx="2131920" cy="363240"/>
+            <a:ext cx="2131560" cy="362880"/>
           </a:xfrm>
           <a:prstGeom prst="rect">
             <a:avLst/>
@@ -3313,7 +3313,7 @@
         <p:spPr>
           <a:xfrm>
             <a:off x="3124080" y="6356520"/>
-            <a:ext cx="2893680" cy="363240"/>
+            <a:ext cx="2893320" cy="362880"/>
           </a:xfrm>
           <a:prstGeom prst="rect">
             <a:avLst/>
@@ -3385,7 +3385,7 @@
         <p:spPr>
           <a:xfrm>
             <a:off x="6553080" y="6356520"/>
-            <a:ext cx="2131920" cy="363240"/>
+            <a:ext cx="2131560" cy="362880"/>
           </a:xfrm>
           <a:prstGeom prst="rect">
             <a:avLst/>
@@ -3428,7 +3428,7 @@
                 <a:tab algn="l" pos="0"/>
               </a:tabLst>
             </a:pPr>
-            <a:fld id="{AC81C6A3-47E8-4361-8E5E-DAFF958C6B30}" type="slidenum">
+            <a:fld id="{560CE09B-D2C1-4FAB-84BC-F84C1E260A98}" type="slidenum">
               <a:rPr b="0" lang="en-US" sz="1200" spc="-1" strike="noStrike">
                 <a:solidFill>
                   <a:schemeClr val="dk1">
@@ -3461,7 +3461,7 @@
         <p:spPr>
           <a:xfrm>
             <a:off x="457200" y="6356520"/>
-            <a:ext cx="2131920" cy="363240"/>
+            <a:ext cx="2131560" cy="362880"/>
           </a:xfrm>
           <a:prstGeom prst="rect">
             <a:avLst/>
@@ -3554,7 +3554,7 @@
         <p:spPr>
           <a:xfrm>
             <a:off x="457200" y="274680"/>
-            <a:ext cx="8227800" cy="1141200"/>
+            <a:ext cx="8227440" cy="1140840"/>
           </a:xfrm>
           <a:prstGeom prst="rect">
             <a:avLst/>
@@ -3603,7 +3603,7 @@
         <p:spPr>
           <a:xfrm>
             <a:off x="457200" y="1600200"/>
-            <a:ext cx="4014720" cy="4524120"/>
+            <a:ext cx="4014720" cy="4523760"/>
           </a:xfrm>
           <a:prstGeom prst="rect">
             <a:avLst/>
@@ -3828,7 +3828,7 @@
         <p:spPr>
           <a:xfrm>
             <a:off x="4673520" y="1600200"/>
-            <a:ext cx="4014720" cy="4524120"/>
+            <a:ext cx="4014720" cy="4523760"/>
           </a:xfrm>
           <a:prstGeom prst="rect">
             <a:avLst/>
@@ -4053,7 +4053,7 @@
         <p:spPr>
           <a:xfrm>
             <a:off x="3124080" y="6356520"/>
-            <a:ext cx="2893680" cy="363240"/>
+            <a:ext cx="2893320" cy="362880"/>
           </a:xfrm>
           <a:prstGeom prst="rect">
             <a:avLst/>
@@ -4125,7 +4125,7 @@
         <p:spPr>
           <a:xfrm>
             <a:off x="6553080" y="6356520"/>
-            <a:ext cx="2131920" cy="363240"/>
+            <a:ext cx="2131560" cy="362880"/>
           </a:xfrm>
           <a:prstGeom prst="rect">
             <a:avLst/>
@@ -4168,7 +4168,7 @@
                 <a:tab algn="l" pos="0"/>
               </a:tabLst>
             </a:pPr>
-            <a:fld id="{DF72FCE2-084F-47ED-87D7-AA34DC0B0CEA}" type="slidenum">
+            <a:fld id="{7A7FCE34-2AC8-4F1C-8E93-798D1507B052}" type="slidenum">
               <a:rPr b="0" lang="en-US" sz="1200" spc="-1" strike="noStrike">
                 <a:solidFill>
                   <a:schemeClr val="dk1">
@@ -4201,7 +4201,7 @@
         <p:spPr>
           <a:xfrm>
             <a:off x="457200" y="6356520"/>
-            <a:ext cx="2131920" cy="363240"/>
+            <a:ext cx="2131560" cy="362880"/>
           </a:xfrm>
           <a:prstGeom prst="rect">
             <a:avLst/>
@@ -4294,7 +4294,7 @@
         <p:spPr>
           <a:xfrm>
             <a:off x="3124080" y="6356520"/>
-            <a:ext cx="2893680" cy="363240"/>
+            <a:ext cx="2893320" cy="362880"/>
           </a:xfrm>
           <a:prstGeom prst="rect">
             <a:avLst/>
@@ -4366,7 +4366,7 @@
         <p:spPr>
           <a:xfrm>
             <a:off x="6553080" y="6356520"/>
-            <a:ext cx="2131920" cy="363240"/>
+            <a:ext cx="2131560" cy="362880"/>
           </a:xfrm>
           <a:prstGeom prst="rect">
             <a:avLst/>
@@ -4409,7 +4409,7 @@
                 <a:tab algn="l" pos="0"/>
               </a:tabLst>
             </a:pPr>
-            <a:fld id="{8D945CAF-17A2-49D6-BE8F-B251869C2334}" type="slidenum">
+            <a:fld id="{428922FD-358D-4250-A2DA-C9252A3358C6}" type="slidenum">
               <a:rPr b="0" lang="en-US" sz="1200" spc="-1" strike="noStrike">
                 <a:solidFill>
                   <a:schemeClr val="dk1">
@@ -4442,7 +4442,7 @@
         <p:spPr>
           <a:xfrm>
             <a:off x="457200" y="6356520"/>
-            <a:ext cx="2131920" cy="363240"/>
+            <a:ext cx="2131560" cy="362880"/>
           </a:xfrm>
           <a:prstGeom prst="rect">
             <a:avLst/>
@@ -4535,7 +4535,7 @@
         <p:spPr>
           <a:xfrm>
             <a:off x="457200" y="274680"/>
-            <a:ext cx="8227800" cy="1141200"/>
+            <a:ext cx="8227440" cy="1140840"/>
           </a:xfrm>
           <a:prstGeom prst="rect">
             <a:avLst/>
@@ -4584,7 +4584,7 @@
         <p:spPr>
           <a:xfrm>
             <a:off x="3124080" y="6356520"/>
-            <a:ext cx="2893680" cy="363240"/>
+            <a:ext cx="2893320" cy="362880"/>
           </a:xfrm>
           <a:prstGeom prst="rect">
             <a:avLst/>
@@ -4656,7 +4656,7 @@
         <p:spPr>
           <a:xfrm>
             <a:off x="6553080" y="6356520"/>
-            <a:ext cx="2131920" cy="363240"/>
+            <a:ext cx="2131560" cy="362880"/>
           </a:xfrm>
           <a:prstGeom prst="rect">
             <a:avLst/>
@@ -4699,7 +4699,7 @@
                 <a:tab algn="l" pos="0"/>
               </a:tabLst>
             </a:pPr>
-            <a:fld id="{AFCE1BC6-F0E9-46AD-84D6-3C2BE3FBD07E}" type="slidenum">
+            <a:fld id="{B1705753-6A7E-445F-A0F1-D9EDDEC7B5DA}" type="slidenum">
               <a:rPr b="0" lang="en-US" sz="1200" spc="-1" strike="noStrike">
                 <a:solidFill>
                   <a:schemeClr val="dk1">
@@ -4732,7 +4732,7 @@
         <p:spPr>
           <a:xfrm>
             <a:off x="457200" y="6356520"/>
-            <a:ext cx="2131920" cy="363240"/>
+            <a:ext cx="2131560" cy="362880"/>
           </a:xfrm>
           <a:prstGeom prst="rect">
             <a:avLst/>
@@ -4825,7 +4825,7 @@
         <p:spPr>
           <a:xfrm>
             <a:off x="3124080" y="6356520"/>
-            <a:ext cx="2893680" cy="363240"/>
+            <a:ext cx="2893320" cy="362880"/>
           </a:xfrm>
           <a:prstGeom prst="rect">
             <a:avLst/>
@@ -4897,7 +4897,7 @@
         <p:spPr>
           <a:xfrm>
             <a:off x="6553080" y="6356520"/>
-            <a:ext cx="2131920" cy="363240"/>
+            <a:ext cx="2131560" cy="362880"/>
           </a:xfrm>
           <a:prstGeom prst="rect">
             <a:avLst/>
@@ -4940,7 +4940,7 @@
                 <a:tab algn="l" pos="0"/>
               </a:tabLst>
             </a:pPr>
-            <a:fld id="{E9F59B85-C09F-4596-BFBE-3496B9637CE2}" type="slidenum">
+            <a:fld id="{B8BF5B34-6FCA-436E-9C00-AC345C45821D}" type="slidenum">
               <a:rPr b="0" lang="en-US" sz="1200" spc="-1" strike="noStrike">
                 <a:solidFill>
                   <a:schemeClr val="dk1">
@@ -4973,7 +4973,7 @@
         <p:spPr>
           <a:xfrm>
             <a:off x="457200" y="6356520"/>
-            <a:ext cx="2131920" cy="363240"/>
+            <a:ext cx="2131560" cy="362880"/>
           </a:xfrm>
           <a:prstGeom prst="rect">
             <a:avLst/>
@@ -5059,7 +5059,7 @@
         <p:spPr>
           <a:xfrm>
             <a:off x="685800" y="1410480"/>
-            <a:ext cx="7770600" cy="1468080"/>
+            <a:ext cx="7770240" cy="1467720"/>
           </a:xfrm>
           <a:prstGeom prst="rect">
             <a:avLst/>
@@ -5114,7 +5114,7 @@
         <p:spPr>
           <a:xfrm>
             <a:off x="1371600" y="3418200"/>
-            <a:ext cx="6399000" cy="1750680"/>
+            <a:ext cx="6398640" cy="1750320"/>
           </a:xfrm>
           <a:prstGeom prst="rect">
             <a:avLst/>
@@ -5263,7 +5263,7 @@
         <p:spPr>
           <a:xfrm>
             <a:off x="1143000" y="4800600"/>
-            <a:ext cx="7313760" cy="1141560"/>
+            <a:ext cx="7313400" cy="1141200"/>
           </a:xfrm>
           <a:prstGeom prst="rect">
             <a:avLst/>
@@ -5341,7 +5341,7 @@
         <p:spPr>
           <a:xfrm>
             <a:off x="457200" y="274680"/>
-            <a:ext cx="8227800" cy="1141200"/>
+            <a:ext cx="8227440" cy="1140840"/>
           </a:xfrm>
           <a:prstGeom prst="rect">
             <a:avLst/>
@@ -5406,7 +5406,7 @@
         <p:spPr>
           <a:xfrm>
             <a:off x="457200" y="1600200"/>
-            <a:ext cx="8227800" cy="4524120"/>
+            <a:ext cx="8227440" cy="4523760"/>
           </a:xfrm>
           <a:prstGeom prst="rect">
             <a:avLst/>
@@ -5581,7 +5581,7 @@
         <p:spPr>
           <a:xfrm>
             <a:off x="457200" y="490680"/>
-            <a:ext cx="8227800" cy="1141200"/>
+            <a:ext cx="8227440" cy="1140840"/>
           </a:xfrm>
           <a:prstGeom prst="rect">
             <a:avLst/>
@@ -5636,7 +5636,7 @@
         <p:spPr>
           <a:xfrm>
             <a:off x="457200" y="2104200"/>
-            <a:ext cx="8227800" cy="4524120"/>
+            <a:ext cx="8227440" cy="4523760"/>
           </a:xfrm>
           <a:prstGeom prst="rect">
             <a:avLst/>
@@ -5823,7 +5823,7 @@
         <p:spPr>
           <a:xfrm>
             <a:off x="457200" y="274680"/>
-            <a:ext cx="8227800" cy="1141200"/>
+            <a:ext cx="8227440" cy="1140840"/>
           </a:xfrm>
           <a:prstGeom prst="rect">
             <a:avLst/>
@@ -5878,7 +5878,7 @@
         <p:spPr>
           <a:xfrm>
             <a:off x="457200" y="1600200"/>
-            <a:ext cx="8227800" cy="4524120"/>
+            <a:ext cx="8227440" cy="4523760"/>
           </a:xfrm>
           <a:prstGeom prst="rect">
             <a:avLst/>
@@ -6022,17 +6022,7 @@
                 <a:latin typeface="Calibri"/>
                 <a:ea typeface="Noto Sans Mono CJK SC"/>
               </a:rPr>
-              <a:t> </a:t>
-            </a:r>
-            <a:r>
-              <a:rPr b="0" lang="en-US" sz="3200" spc="-1" strike="noStrike">
-                <a:solidFill>
-                  <a:schemeClr val="dk1"/>
-                </a:solidFill>
-                <a:latin typeface="Calibri"/>
-                <a:ea typeface="Noto Sans Mono CJK SC"/>
-              </a:rPr>
-              <a:t>readxl::read_excel("data.xlsx")</a:t>
+              <a:t> readxl::read_excel("data.xlsx")</a:t>
             </a:r>
             <a:endParaRPr b="0" lang="en-US" sz="3200" spc="-1" strike="noStrike">
               <a:solidFill>
@@ -6130,7 +6120,7 @@
         <p:spPr>
           <a:xfrm>
             <a:off x="457200" y="274680"/>
-            <a:ext cx="8227800" cy="1141200"/>
+            <a:ext cx="8227440" cy="1140840"/>
           </a:xfrm>
           <a:prstGeom prst="rect">
             <a:avLst/>
@@ -6185,7 +6175,7 @@
         <p:spPr>
           <a:xfrm>
             <a:off x="685800" y="1600200"/>
-            <a:ext cx="8227800" cy="4524120"/>
+            <a:ext cx="8227440" cy="4523760"/>
           </a:xfrm>
           <a:prstGeom prst="rect">
             <a:avLst/>
@@ -6443,7 +6433,7 @@
         <p:spPr>
           <a:xfrm>
             <a:off x="457200" y="274680"/>
-            <a:ext cx="8227800" cy="1141200"/>
+            <a:ext cx="8227440" cy="1140840"/>
           </a:xfrm>
           <a:prstGeom prst="rect">
             <a:avLst/>
@@ -6498,7 +6488,7 @@
         <p:spPr>
           <a:xfrm>
             <a:off x="685800" y="1600200"/>
-            <a:ext cx="8227800" cy="4524120"/>
+            <a:ext cx="8227440" cy="4523760"/>
           </a:xfrm>
           <a:prstGeom prst="rect">
             <a:avLst/>
@@ -6774,7 +6764,7 @@
         <p:spPr>
           <a:xfrm>
             <a:off x="457200" y="274680"/>
-            <a:ext cx="8227800" cy="1141200"/>
+            <a:ext cx="8227440" cy="1140840"/>
           </a:xfrm>
           <a:prstGeom prst="rect">
             <a:avLst/>
@@ -6829,7 +6819,7 @@
         <p:spPr>
           <a:xfrm>
             <a:off x="685800" y="1600200"/>
-            <a:ext cx="8227800" cy="4524120"/>
+            <a:ext cx="8227440" cy="4523760"/>
           </a:xfrm>
           <a:prstGeom prst="rect">
             <a:avLst/>
@@ -6987,7 +6977,7 @@
         <p:spPr>
           <a:xfrm>
             <a:off x="457200" y="274680"/>
-            <a:ext cx="8227800" cy="1141200"/>
+            <a:ext cx="8227440" cy="1140840"/>
           </a:xfrm>
           <a:prstGeom prst="rect">
             <a:avLst/>
@@ -7042,7 +7032,7 @@
         <p:spPr>
           <a:xfrm>
             <a:off x="457200" y="1600200"/>
-            <a:ext cx="8227800" cy="4524120"/>
+            <a:ext cx="8227440" cy="4523760"/>
           </a:xfrm>
           <a:prstGeom prst="rect">
             <a:avLst/>
@@ -7281,7 +7271,7 @@
         <p:spPr>
           <a:xfrm>
             <a:off x="457200" y="274680"/>
-            <a:ext cx="8227800" cy="1141200"/>
+            <a:ext cx="8227440" cy="1140840"/>
           </a:xfrm>
           <a:prstGeom prst="rect">
             <a:avLst/>
@@ -7336,7 +7326,7 @@
         <p:spPr>
           <a:xfrm>
             <a:off x="457200" y="1600200"/>
-            <a:ext cx="8227800" cy="4524120"/>
+            <a:ext cx="8227440" cy="4523760"/>
           </a:xfrm>
           <a:prstGeom prst="rect">
             <a:avLst/>
@@ -7541,7 +7531,7 @@
         <p:spPr>
           <a:xfrm>
             <a:off x="457200" y="274680"/>
-            <a:ext cx="8227800" cy="1141200"/>
+            <a:ext cx="8227440" cy="1140840"/>
           </a:xfrm>
           <a:prstGeom prst="rect">
             <a:avLst/>
@@ -7596,7 +7586,7 @@
         <p:spPr>
           <a:xfrm>
             <a:off x="457200" y="1600200"/>
-            <a:ext cx="8227800" cy="4524120"/>
+            <a:ext cx="8227440" cy="4523760"/>
           </a:xfrm>
           <a:prstGeom prst="rect">
             <a:avLst/>
@@ -7764,7 +7754,7 @@
         <p:spPr>
           <a:xfrm>
             <a:off x="457200" y="274680"/>
-            <a:ext cx="8227800" cy="1141200"/>
+            <a:ext cx="8227440" cy="1140840"/>
           </a:xfrm>
           <a:prstGeom prst="rect">
             <a:avLst/>
@@ -7819,7 +7809,7 @@
         <p:spPr>
           <a:xfrm>
             <a:off x="457200" y="1600200"/>
-            <a:ext cx="8227800" cy="4524120"/>
+            <a:ext cx="8227440" cy="4523760"/>
           </a:xfrm>
           <a:prstGeom prst="rect">
             <a:avLst/>
@@ -7854,7 +7844,7 @@
                 </a:solidFill>
                 <a:latin typeface="Calibri"/>
               </a:rPr>
-              <a:t>Load a sample dataset (e.g., mtcars, iris, or a custom CSV)</a:t>
+              <a:t>Load a sample dataset (e.g., sample_students, or a custom CSV)</a:t>
             </a:r>
             <a:endParaRPr b="0" lang="en-US" sz="3200" spc="-1" strike="noStrike">
               <a:solidFill>
@@ -7968,7 +7958,7 @@
         <p:spPr>
           <a:xfrm>
             <a:off x="457200" y="228600"/>
-            <a:ext cx="8227800" cy="1141200"/>
+            <a:ext cx="8227440" cy="1140840"/>
           </a:xfrm>
           <a:prstGeom prst="rect">
             <a:avLst/>
@@ -8023,7 +8013,7 @@
         <p:spPr>
           <a:xfrm>
             <a:off x="457200" y="1600200"/>
-            <a:ext cx="8227800" cy="4524120"/>
+            <a:ext cx="8227440" cy="4523760"/>
           </a:xfrm>
           <a:prstGeom prst="rect">
             <a:avLst/>
@@ -8210,7 +8200,7 @@
         <p:spPr>
           <a:xfrm>
             <a:off x="457200" y="274680"/>
-            <a:ext cx="8227800" cy="1141200"/>
+            <a:ext cx="8227440" cy="1140840"/>
           </a:xfrm>
           <a:prstGeom prst="rect">
             <a:avLst/>
@@ -8265,7 +8255,7 @@
         <p:spPr>
           <a:xfrm>
             <a:off x="458280" y="1600200"/>
-            <a:ext cx="8227800" cy="4524120"/>
+            <a:ext cx="8227440" cy="4523760"/>
           </a:xfrm>
           <a:prstGeom prst="rect">
             <a:avLst/>
@@ -8363,7 +8353,7 @@
         <p:spPr>
           <a:xfrm>
             <a:off x="457200" y="274680"/>
-            <a:ext cx="8227800" cy="1141200"/>
+            <a:ext cx="8227440" cy="1140840"/>
           </a:xfrm>
           <a:prstGeom prst="rect">
             <a:avLst/>
@@ -8418,7 +8408,7 @@
         <p:spPr>
           <a:xfrm>
             <a:off x="458280" y="1600200"/>
-            <a:ext cx="8227800" cy="4524120"/>
+            <a:ext cx="8227440" cy="4523760"/>
           </a:xfrm>
           <a:prstGeom prst="rect">
             <a:avLst/>
@@ -8677,7 +8667,7 @@
         <p:spPr>
           <a:xfrm>
             <a:off x="457200" y="274680"/>
-            <a:ext cx="8227800" cy="1141200"/>
+            <a:ext cx="8227440" cy="1140840"/>
           </a:xfrm>
           <a:prstGeom prst="rect">
             <a:avLst/>
@@ -8732,7 +8722,7 @@
         <p:spPr>
           <a:xfrm>
             <a:off x="457200" y="1600200"/>
-            <a:ext cx="8227800" cy="4524120"/>
+            <a:ext cx="8227440" cy="4523760"/>
           </a:xfrm>
           <a:prstGeom prst="rect">
             <a:avLst/>
@@ -9045,7 +9035,7 @@
         <p:spPr>
           <a:xfrm>
             <a:off x="457200" y="274680"/>
-            <a:ext cx="8227800" cy="1141200"/>
+            <a:ext cx="8227440" cy="1140840"/>
           </a:xfrm>
           <a:prstGeom prst="rect">
             <a:avLst/>
@@ -9100,7 +9090,7 @@
         <p:spPr>
           <a:xfrm>
             <a:off x="457200" y="1600200"/>
-            <a:ext cx="8227800" cy="4524120"/>
+            <a:ext cx="8227440" cy="4523760"/>
           </a:xfrm>
           <a:prstGeom prst="rect">
             <a:avLst/>
@@ -9232,7 +9222,7 @@
         <p:spPr>
           <a:xfrm>
             <a:off x="457200" y="274680"/>
-            <a:ext cx="8227800" cy="1141200"/>
+            <a:ext cx="8227440" cy="1140840"/>
           </a:xfrm>
           <a:prstGeom prst="rect">
             <a:avLst/>
@@ -9287,7 +9277,7 @@
         <p:spPr>
           <a:xfrm>
             <a:off x="457200" y="1600200"/>
-            <a:ext cx="8227800" cy="4524120"/>
+            <a:ext cx="8227440" cy="4523760"/>
           </a:xfrm>
           <a:prstGeom prst="rect">
             <a:avLst/>
@@ -9518,7 +9508,7 @@
         <p:spPr>
           <a:xfrm>
             <a:off x="457200" y="274680"/>
-            <a:ext cx="8227800" cy="1141200"/>
+            <a:ext cx="8227440" cy="1140840"/>
           </a:xfrm>
           <a:prstGeom prst="rect">
             <a:avLst/>
@@ -9573,7 +9563,7 @@
         <p:spPr>
           <a:xfrm>
             <a:off x="457200" y="1600200"/>
-            <a:ext cx="8227800" cy="4524120"/>
+            <a:ext cx="8227440" cy="4523760"/>
           </a:xfrm>
           <a:prstGeom prst="rect">
             <a:avLst/>
@@ -9931,7 +9921,7 @@
         <p:spPr>
           <a:xfrm>
             <a:off x="457200" y="274680"/>
-            <a:ext cx="8227800" cy="1141200"/>
+            <a:ext cx="8227440" cy="1140840"/>
           </a:xfrm>
           <a:prstGeom prst="rect">
             <a:avLst/>
@@ -9986,7 +9976,7 @@
         <p:spPr>
           <a:xfrm>
             <a:off x="457200" y="1600200"/>
-            <a:ext cx="8227800" cy="4524120"/>
+            <a:ext cx="8227440" cy="4523760"/>
           </a:xfrm>
           <a:prstGeom prst="rect">
             <a:avLst/>

--- a/R_Training_Module_1_2.pptx
+++ b/R_Training_Module_1_2.pptx
@@ -171,7 +171,7 @@
         <p:txBody>
           <a:bodyPr/>
           <a:p>
-            <a:fld id="{D122C758-197C-4B7F-AAE2-06E008DB4634}" type="slidenum">
+            <a:fld id="{7B3A5523-F1CB-4702-A669-C49104E44CAF}" type="slidenum">
               <a:t>&lt;#&gt;</a:t>
             </a:fld>
           </a:p>
@@ -254,7 +254,7 @@
         <p:txBody>
           <a:bodyPr/>
           <a:p>
-            <a:fld id="{B3D7094A-E083-4139-AE71-31A818FC5AA6}" type="slidenum">
+            <a:fld id="{A3189391-E11D-4AB6-AA45-097F40E3D26A}" type="slidenum">
               <a:t>&lt;#&gt;</a:t>
             </a:fld>
           </a:p>
@@ -337,7 +337,7 @@
         <p:txBody>
           <a:bodyPr/>
           <a:p>
-            <a:fld id="{50CDD103-8690-45C0-98A6-CB950B90F96A}" type="slidenum">
+            <a:fld id="{C4B1CDBF-43BE-458B-BEFC-A7527A90CC7C}" type="slidenum">
               <a:t>&lt;#&gt;</a:t>
             </a:fld>
           </a:p>
@@ -420,7 +420,7 @@
         <p:txBody>
           <a:bodyPr/>
           <a:p>
-            <a:fld id="{202B8341-4C37-4AB0-A761-F4C6210515FD}" type="slidenum">
+            <a:fld id="{3F1BA247-56F4-41CC-AD54-313AC29F3CB4}" type="slidenum">
               <a:t>&lt;#&gt;</a:t>
             </a:fld>
           </a:p>
@@ -503,7 +503,7 @@
         <p:txBody>
           <a:bodyPr/>
           <a:p>
-            <a:fld id="{CAEC1991-D60F-436C-BDA7-9DB2D82B6D96}" type="slidenum">
+            <a:fld id="{DDDD1378-2982-4E18-9766-49912FEB6B4E}" type="slidenum">
               <a:t>&lt;#&gt;</a:t>
             </a:fld>
           </a:p>
@@ -669,7 +669,7 @@
         <p:txBody>
           <a:bodyPr/>
           <a:p>
-            <a:fld id="{8F4A83B8-48AE-4EA4-9AF3-6244B5FDD5D6}" type="slidenum">
+            <a:fld id="{095F70AB-18AA-4F41-B293-76B213FAAF27}" type="slidenum">
               <a:t>&lt;#&gt;</a:t>
             </a:fld>
           </a:p>
@@ -752,7 +752,7 @@
         <p:txBody>
           <a:bodyPr/>
           <a:p>
-            <a:fld id="{F19AE6AE-3B08-498A-AAF4-4588F3884A90}" type="slidenum">
+            <a:fld id="{9E920499-F947-4D61-96E5-85FDA954E40D}" type="slidenum">
               <a:t>&lt;#&gt;</a:t>
             </a:fld>
           </a:p>
@@ -961,7 +961,7 @@
         <p:txBody>
           <a:bodyPr/>
           <a:p>
-            <a:fld id="{1896780D-6CDE-4DDF-A561-FCC43860DAFF}" type="slidenum">
+            <a:fld id="{E45C2CF6-197B-47A3-A7DB-203198CEF652}" type="slidenum">
               <a:t>&lt;#&gt;</a:t>
             </a:fld>
           </a:p>
@@ -1044,7 +1044,7 @@
         <p:txBody>
           <a:bodyPr/>
           <a:p>
-            <a:fld id="{4250F990-279A-4D2B-91FF-F120F329C259}" type="slidenum">
+            <a:fld id="{ECAC04AC-2619-4A63-8CC3-DF7B19D637C0}" type="slidenum">
               <a:t>&lt;#&gt;</a:t>
             </a:fld>
           </a:p>
@@ -1167,7 +1167,7 @@
         <p:txBody>
           <a:bodyPr/>
           <a:p>
-            <a:fld id="{10D809C2-FBE9-47F5-8142-F005ABA01168}" type="slidenum">
+            <a:fld id="{424DFC59-461D-4170-9301-5C8FCC8363D7}" type="slidenum">
               <a:t>&lt;#&gt;</a:t>
             </a:fld>
           </a:p>
@@ -1250,7 +1250,7 @@
         <p:txBody>
           <a:bodyPr/>
           <a:p>
-            <a:fld id="{2C90040A-450D-40A1-B9C5-9D848AB924BE}" type="slidenum">
+            <a:fld id="{25D8E42E-4033-4EC4-A1F3-49A3A0E396BC}" type="slidenum">
               <a:t>&lt;#&gt;</a:t>
             </a:fld>
           </a:p>
@@ -1416,7 +1416,7 @@
                 </a:solidFill>
                 <a:latin typeface="Times New Roman"/>
               </a:rPr>
-              <a:t> </a:t>
+              <a:t>&lt;footer&gt;</a:t>
             </a:r>
             <a:endParaRPr b="0" lang="en-US" sz="1400" spc="-1" strike="noStrike">
               <a:solidFill>
@@ -1483,7 +1483,7 @@
                 <a:tab algn="l" pos="0"/>
               </a:tabLst>
             </a:pPr>
-            <a:fld id="{35919E9A-891D-4C7D-8FF3-7037B29FF6C6}" type="slidenum">
+            <a:fld id="{6B46CFEE-2AF6-4F75-BF23-01AA10792C52}" type="slidenum">
               <a:rPr b="0" lang="en-US" sz="1200" spc="-1" strike="noStrike">
                 <a:solidFill>
                   <a:schemeClr val="dk1">
@@ -1492,7 +1492,7 @@
                 </a:solidFill>
                 <a:latin typeface="Calibri"/>
               </a:rPr>
-              <a:t>19</a:t>
+              <a:t>&lt;number&gt;</a:t>
             </a:fld>
             <a:endParaRPr b="0" lang="en-US" sz="1200" spc="-1" strike="noStrike">
               <a:solidFill>
@@ -1552,7 +1552,7 @@
                 </a:solidFill>
                 <a:latin typeface="Times New Roman"/>
               </a:rPr>
-              <a:t> </a:t>
+              <a:t>&lt;date/time&gt;</a:t>
             </a:r>
             <a:endParaRPr b="0" lang="en-US" sz="1400" spc="-1" strike="noStrike">
               <a:solidFill>
@@ -1949,7 +1949,7 @@
                 <a:tab algn="l" pos="0"/>
               </a:tabLst>
             </a:pPr>
-            <a:fld id="{A4C0EF3F-A9DD-4BEE-BC59-063247C5D933}" type="slidenum">
+            <a:fld id="{41E8160A-6F4D-471C-9D80-F9864EE7CFA6}" type="slidenum">
               <a:rPr b="0" lang="en-US" sz="1200" spc="-1" strike="noStrike">
                 <a:solidFill>
                   <a:schemeClr val="dk1">
@@ -2190,7 +2190,7 @@
                 <a:tab algn="l" pos="0"/>
               </a:tabLst>
             </a:pPr>
-            <a:fld id="{CC753400-76B0-4D25-80D3-C9C809D4D8F2}" type="slidenum">
+            <a:fld id="{A7FC44DF-92F7-4E30-93E5-8FE4613F64A9}" type="slidenum">
               <a:rPr b="0" lang="en-US" sz="1200" spc="-1" strike="noStrike">
                 <a:solidFill>
                   <a:schemeClr val="dk1">
@@ -2431,7 +2431,7 @@
                 <a:tab algn="l" pos="0"/>
               </a:tabLst>
             </a:pPr>
-            <a:fld id="{F985F804-C46C-40EA-8151-963A3F5E6C28}" type="slidenum">
+            <a:fld id="{3E012CEB-5BAE-4807-9F82-F1D045D22CEB}" type="slidenum">
               <a:rPr b="0" lang="en-US" sz="1200" spc="-1" strike="noStrike">
                 <a:solidFill>
                   <a:schemeClr val="dk1">
@@ -2672,7 +2672,7 @@
                 <a:tab algn="l" pos="0"/>
               </a:tabLst>
             </a:pPr>
-            <a:fld id="{3DB05ED2-59AD-4B44-8C44-BC8F3E9B1DE3}" type="slidenum">
+            <a:fld id="{DCE5D73F-6127-4602-942B-D036D7B38B81}" type="slidenum">
               <a:rPr b="0" lang="en-US" sz="1200" spc="-1" strike="noStrike">
                 <a:solidFill>
                   <a:schemeClr val="dk1">
@@ -3187,7 +3187,7 @@
                 <a:tab algn="l" pos="0"/>
               </a:tabLst>
             </a:pPr>
-            <a:fld id="{F03F982E-D5B0-499E-BC3C-9B82F702D9F6}" type="slidenum">
+            <a:fld id="{37D9A0DB-E123-4399-A232-02CDC51B84EF}" type="slidenum">
               <a:rPr b="0" lang="en-US" sz="1200" spc="-1" strike="noStrike">
                 <a:solidFill>
                   <a:schemeClr val="dk1">
@@ -3428,7 +3428,7 @@
                 <a:tab algn="l" pos="0"/>
               </a:tabLst>
             </a:pPr>
-            <a:fld id="{560CE09B-D2C1-4FAB-84BC-F84C1E260A98}" type="slidenum">
+            <a:fld id="{A53CCFC2-C8BF-4B90-9C04-372913E812C0}" type="slidenum">
               <a:rPr b="0" lang="en-US" sz="1200" spc="-1" strike="noStrike">
                 <a:solidFill>
                   <a:schemeClr val="dk1">
@@ -4168,7 +4168,7 @@
                 <a:tab algn="l" pos="0"/>
               </a:tabLst>
             </a:pPr>
-            <a:fld id="{7A7FCE34-2AC8-4F1C-8E93-798D1507B052}" type="slidenum">
+            <a:fld id="{369296F0-9BB4-4DF9-A174-0F3F7B48FF4A}" type="slidenum">
               <a:rPr b="0" lang="en-US" sz="1200" spc="-1" strike="noStrike">
                 <a:solidFill>
                   <a:schemeClr val="dk1">
@@ -4409,7 +4409,7 @@
                 <a:tab algn="l" pos="0"/>
               </a:tabLst>
             </a:pPr>
-            <a:fld id="{428922FD-358D-4250-A2DA-C9252A3358C6}" type="slidenum">
+            <a:fld id="{672A97DA-6615-40A1-9DA3-F811165176B2}" type="slidenum">
               <a:rPr b="0" lang="en-US" sz="1200" spc="-1" strike="noStrike">
                 <a:solidFill>
                   <a:schemeClr val="dk1">
@@ -4699,7 +4699,7 @@
                 <a:tab algn="l" pos="0"/>
               </a:tabLst>
             </a:pPr>
-            <a:fld id="{B1705753-6A7E-445F-A0F1-D9EDDEC7B5DA}" type="slidenum">
+            <a:fld id="{1A5A9FAB-B4B3-47B0-88F2-3251DC4F2B78}" type="slidenum">
               <a:rPr b="0" lang="en-US" sz="1200" spc="-1" strike="noStrike">
                 <a:solidFill>
                   <a:schemeClr val="dk1">
@@ -4940,7 +4940,7 @@
                 <a:tab algn="l" pos="0"/>
               </a:tabLst>
             </a:pPr>
-            <a:fld id="{B8BF5B34-6FCA-436E-9C00-AC345C45821D}" type="slidenum">
+            <a:fld id="{700A56FD-4F5E-415E-AFBF-7D009C930941}" type="slidenum">
               <a:rPr b="0" lang="en-US" sz="1200" spc="-1" strike="noStrike">
                 <a:solidFill>
                   <a:schemeClr val="dk1">
